--- a/2.0/doc/PresProgetto_ReactionGame2.pptx
+++ b/2.0/doc/PresProgetto_ReactionGame2.pptx
@@ -3061,7 +3061,31 @@
                 <a:latin typeface="Aparajita" panose="020B0604020202020204" pitchFamily="34" charset="0"/>
                 <a:cs typeface="Aparajita" panose="020B0604020202020204" pitchFamily="34" charset="0"/>
               </a:rPr>
-              <a:t>Erik Stalliviere - Dyuman Bulloni</a:t>
+              <a:t>Erik </a:t>
+            </a:r>
+            <a:r>
+              <a:rPr lang="it-CH" sz="2500" dirty="0" smtClean="0">
+                <a:solidFill>
+                  <a:schemeClr val="accent6">
+                    <a:lumMod val="75000"/>
+                  </a:schemeClr>
+                </a:solidFill>
+                <a:latin typeface="Aparajita" panose="020B0604020202020204" pitchFamily="34" charset="0"/>
+                <a:cs typeface="Aparajita" panose="020B0604020202020204" pitchFamily="34" charset="0"/>
+              </a:rPr>
+              <a:t>Stalliviere </a:t>
+            </a:r>
+            <a:r>
+              <a:rPr lang="it-CH" sz="2500" dirty="0" smtClean="0">
+                <a:solidFill>
+                  <a:schemeClr val="accent6">
+                    <a:lumMod val="75000"/>
+                  </a:schemeClr>
+                </a:solidFill>
+                <a:latin typeface="Aparajita" panose="020B0604020202020204" pitchFamily="34" charset="0"/>
+                <a:cs typeface="Aparajita" panose="020B0604020202020204" pitchFamily="34" charset="0"/>
+              </a:rPr>
+              <a:t>- Dyuman Bulloni</a:t>
             </a:r>
           </a:p>
           <a:p>
@@ -3218,19 +3242,7 @@
                 <a:latin typeface="Aparajita" panose="020B0604020202020204" pitchFamily="34" charset="0"/>
                 <a:cs typeface="Aparajita" panose="020B0604020202020204" pitchFamily="34" charset="0"/>
               </a:rPr>
-              <a:t>Consuntivo Implementazione</a:t>
-            </a:r>
-            <a:r>
-              <a:rPr lang="it-CH" sz="6000" dirty="0" smtClean="0">
-                <a:solidFill>
-                  <a:schemeClr val="accent6">
-                    <a:lumMod val="75000"/>
-                  </a:schemeClr>
-                </a:solidFill>
-                <a:latin typeface="Aparajita" panose="020B0604020202020204" pitchFamily="34" charset="0"/>
-                <a:cs typeface="Aparajita" panose="020B0604020202020204" pitchFamily="34" charset="0"/>
-              </a:rPr>
-              <a:t>:</a:t>
+              <a:t>Consuntivo Implementazione:</a:t>
             </a:r>
             <a:endParaRPr lang="it-CH" sz="6000" dirty="0">
               <a:solidFill>
@@ -3668,19 +3680,7 @@
                 <a:latin typeface="Aparajita" panose="020B0604020202020204" pitchFamily="34" charset="0"/>
                 <a:cs typeface="Aparajita" panose="020B0604020202020204" pitchFamily="34" charset="0"/>
               </a:rPr>
-              <a:t>Consuntivo Test </a:t>
-            </a:r>
-            <a:r>
-              <a:rPr lang="it-CH" sz="6000" dirty="0" smtClean="0">
-                <a:solidFill>
-                  <a:schemeClr val="accent6">
-                    <a:lumMod val="75000"/>
-                  </a:schemeClr>
-                </a:solidFill>
-                <a:latin typeface="Aparajita" panose="020B0604020202020204" pitchFamily="34" charset="0"/>
-                <a:cs typeface="Aparajita" panose="020B0604020202020204" pitchFamily="34" charset="0"/>
-              </a:rPr>
-              <a:t>e Doc:</a:t>
+              <a:t>Consuntivo Test e Doc:</a:t>
             </a:r>
             <a:endParaRPr lang="it-CH" sz="6000" dirty="0">
               <a:solidFill>
@@ -5483,20 +5483,7 @@
                 <a:ea typeface="+mj-ea"/>
                 <a:cs typeface="Aparajita" panose="020B0604020202020204" pitchFamily="34" charset="0"/>
               </a:rPr>
-              <a:t>                           Due </a:t>
-            </a:r>
-            <a:r>
-              <a:rPr lang="it-CH" sz="3600" dirty="0" smtClean="0">
-                <a:solidFill>
-                  <a:schemeClr val="accent6">
-                    <a:lumMod val="75000"/>
-                  </a:schemeClr>
-                </a:solidFill>
-                <a:latin typeface="Aparajita" panose="020B0604020202020204" pitchFamily="34" charset="0"/>
-                <a:ea typeface="+mj-ea"/>
-                <a:cs typeface="Aparajita" panose="020B0604020202020204" pitchFamily="34" charset="0"/>
-              </a:rPr>
-              <a:t>Arduino</a:t>
+              <a:t>                           Due Arduino</a:t>
             </a:r>
           </a:p>
         </p:txBody>
@@ -6690,19 +6677,7 @@
                 <a:latin typeface="Aparajita" panose="020B0604020202020204" pitchFamily="34" charset="0"/>
                 <a:cs typeface="Aparajita" panose="020B0604020202020204" pitchFamily="34" charset="0"/>
               </a:rPr>
-              <a:t>Consuntivo Analisi</a:t>
-            </a:r>
-            <a:r>
-              <a:rPr lang="it-CH" sz="6000" dirty="0" smtClean="0">
-                <a:solidFill>
-                  <a:schemeClr val="accent6">
-                    <a:lumMod val="75000"/>
-                  </a:schemeClr>
-                </a:solidFill>
-                <a:latin typeface="Aparajita" panose="020B0604020202020204" pitchFamily="34" charset="0"/>
-                <a:cs typeface="Aparajita" panose="020B0604020202020204" pitchFamily="34" charset="0"/>
-              </a:rPr>
-              <a:t>:</a:t>
+              <a:t>Consuntivo Analisi:</a:t>
             </a:r>
             <a:endParaRPr lang="it-CH" sz="6000" dirty="0">
               <a:solidFill>
